--- a/designpattern/ppt/设计模式（三）.pptx
+++ b/designpattern/ppt/设计模式（三）.pptx
@@ -251,7 +251,7 @@
           <a:p>
             <a:fld id="{FE7217B6-AECB-4CF4-AA81-CA45E87CF494}" type="datetimeFigureOut">
               <a:rPr lang="zh-CN" altLang="en-US" smtClean="0"/>
-              <a:t>2016/11/21 Monday</a:t>
+              <a:t>2016/11/22 Tuesday</a:t>
             </a:fld>
             <a:endParaRPr lang="zh-CN" altLang="en-US"/>
           </a:p>
@@ -421,7 +421,7 @@
           <a:p>
             <a:fld id="{FE7217B6-AECB-4CF4-AA81-CA45E87CF494}" type="datetimeFigureOut">
               <a:rPr lang="zh-CN" altLang="en-US" smtClean="0"/>
-              <a:t>2016/11/21 Monday</a:t>
+              <a:t>2016/11/22 Tuesday</a:t>
             </a:fld>
             <a:endParaRPr lang="zh-CN" altLang="en-US"/>
           </a:p>
@@ -601,7 +601,7 @@
           <a:p>
             <a:fld id="{FE7217B6-AECB-4CF4-AA81-CA45E87CF494}" type="datetimeFigureOut">
               <a:rPr lang="zh-CN" altLang="en-US" smtClean="0"/>
-              <a:t>2016/11/21 Monday</a:t>
+              <a:t>2016/11/22 Tuesday</a:t>
             </a:fld>
             <a:endParaRPr lang="zh-CN" altLang="en-US"/>
           </a:p>
@@ -801,7 +801,7 @@
           <a:p>
             <a:fld id="{FE7217B6-AECB-4CF4-AA81-CA45E87CF494}" type="datetimeFigureOut">
               <a:rPr lang="zh-CN" altLang="en-US" smtClean="0"/>
-              <a:t>2016/11/21 Monday</a:t>
+              <a:t>2016/11/22 Tuesday</a:t>
             </a:fld>
             <a:endParaRPr lang="zh-CN" altLang="en-US"/>
           </a:p>
@@ -1047,7 +1047,7 @@
           <a:p>
             <a:fld id="{FE7217B6-AECB-4CF4-AA81-CA45E87CF494}" type="datetimeFigureOut">
               <a:rPr lang="zh-CN" altLang="en-US" smtClean="0"/>
-              <a:t>2016/11/21 Monday</a:t>
+              <a:t>2016/11/22 Tuesday</a:t>
             </a:fld>
             <a:endParaRPr lang="zh-CN" altLang="en-US"/>
           </a:p>
@@ -1279,7 +1279,7 @@
           <a:p>
             <a:fld id="{FE7217B6-AECB-4CF4-AA81-CA45E87CF494}" type="datetimeFigureOut">
               <a:rPr lang="zh-CN" altLang="en-US" smtClean="0"/>
-              <a:t>2016/11/21 Monday</a:t>
+              <a:t>2016/11/22 Tuesday</a:t>
             </a:fld>
             <a:endParaRPr lang="zh-CN" altLang="en-US"/>
           </a:p>
@@ -1646,7 +1646,7 @@
           <a:p>
             <a:fld id="{FE7217B6-AECB-4CF4-AA81-CA45E87CF494}" type="datetimeFigureOut">
               <a:rPr lang="zh-CN" altLang="en-US" smtClean="0"/>
-              <a:t>2016/11/21 Monday</a:t>
+              <a:t>2016/11/22 Tuesday</a:t>
             </a:fld>
             <a:endParaRPr lang="zh-CN" altLang="en-US"/>
           </a:p>
@@ -1764,7 +1764,7 @@
           <a:p>
             <a:fld id="{FE7217B6-AECB-4CF4-AA81-CA45E87CF494}" type="datetimeFigureOut">
               <a:rPr lang="zh-CN" altLang="en-US" smtClean="0"/>
-              <a:t>2016/11/21 Monday</a:t>
+              <a:t>2016/11/22 Tuesday</a:t>
             </a:fld>
             <a:endParaRPr lang="zh-CN" altLang="en-US"/>
           </a:p>
@@ -1859,7 +1859,7 @@
           <a:p>
             <a:fld id="{FE7217B6-AECB-4CF4-AA81-CA45E87CF494}" type="datetimeFigureOut">
               <a:rPr lang="zh-CN" altLang="en-US" smtClean="0"/>
-              <a:t>2016/11/21 Monday</a:t>
+              <a:t>2016/11/22 Tuesday</a:t>
             </a:fld>
             <a:endParaRPr lang="zh-CN" altLang="en-US"/>
           </a:p>
@@ -2136,7 +2136,7 @@
           <a:p>
             <a:fld id="{FE7217B6-AECB-4CF4-AA81-CA45E87CF494}" type="datetimeFigureOut">
               <a:rPr lang="zh-CN" altLang="en-US" smtClean="0"/>
-              <a:t>2016/11/21 Monday</a:t>
+              <a:t>2016/11/22 Tuesday</a:t>
             </a:fld>
             <a:endParaRPr lang="zh-CN" altLang="en-US"/>
           </a:p>
@@ -2389,7 +2389,7 @@
           <a:p>
             <a:fld id="{FE7217B6-AECB-4CF4-AA81-CA45E87CF494}" type="datetimeFigureOut">
               <a:rPr lang="zh-CN" altLang="en-US" smtClean="0"/>
-              <a:t>2016/11/21 Monday</a:t>
+              <a:t>2016/11/22 Tuesday</a:t>
             </a:fld>
             <a:endParaRPr lang="zh-CN" altLang="en-US"/>
           </a:p>
@@ -2605,7 +2605,7 @@
           <a:p>
             <a:fld id="{FE7217B6-AECB-4CF4-AA81-CA45E87CF494}" type="datetimeFigureOut">
               <a:rPr lang="zh-CN" altLang="en-US" smtClean="0"/>
-              <a:t>2016/11/21 Monday</a:t>
+              <a:t>2016/11/22 Tuesday</a:t>
             </a:fld>
             <a:endParaRPr lang="zh-CN" altLang="en-US"/>
           </a:p>
@@ -3390,15 +3390,7 @@
                   <a:schemeClr val="bg1"/>
                 </a:solidFill>
               </a:rPr>
-              <a:t>创建</a:t>
-            </a:r>
-            <a:r>
-              <a:rPr lang="zh-CN" altLang="en-US" sz="6000" dirty="0" smtClean="0">
-                <a:solidFill>
-                  <a:schemeClr val="bg1"/>
-                </a:solidFill>
-              </a:rPr>
-              <a:t>型</a:t>
+              <a:t>创建型</a:t>
             </a:r>
             <a:endParaRPr lang="zh-CN" altLang="en-US" sz="6000" dirty="0">
               <a:solidFill>
@@ -3986,44 +3978,6 @@
       </p:sp>
       <p:sp>
         <p:nvSpPr>
-          <p:cNvPr id="5" name="文本框 4"/>
-          <p:cNvSpPr txBox="1"/>
-          <p:nvPr/>
-        </p:nvSpPr>
-        <p:spPr>
-          <a:xfrm>
-            <a:off x="2469659" y="3344093"/>
-            <a:ext cx="7713785" cy="461665"/>
-          </a:xfrm>
-          <a:prstGeom prst="rect">
-            <a:avLst/>
-          </a:prstGeom>
-          <a:noFill/>
-        </p:spPr>
-        <p:txBody>
-          <a:bodyPr wrap="square" rtlCol="0">
-            <a:spAutoFit/>
-          </a:bodyPr>
-          <a:lstStyle/>
-          <a:p>
-            <a:r>
-              <a:rPr lang="zh-CN" altLang="en-US" sz="2400" dirty="0">
-                <a:solidFill>
-                  <a:schemeClr val="bg1"/>
-                </a:solidFill>
-              </a:rPr>
-              <a:t>有关设计层次架构方面</a:t>
-            </a:r>
-            <a:endParaRPr lang="zh-CN" altLang="en-US" sz="2400" dirty="0">
-              <a:solidFill>
-                <a:srgbClr val="C00000"/>
-              </a:solidFill>
-            </a:endParaRPr>
-          </a:p>
-        </p:txBody>
-      </p:sp>
-      <p:sp>
-        <p:nvSpPr>
           <p:cNvPr id="7" name="文本框 6"/>
           <p:cNvSpPr txBox="1"/>
           <p:nvPr/>
@@ -4149,51 +4103,6 @@
                                           </p:stCondLst>
                                         </p:cTn>
                                         <p:tgtEl>
-                                          <p:spTgt spid="5"/>
-                                        </p:tgtEl>
-                                        <p:attrNameLst>
-                                          <p:attrName>style.visibility</p:attrName>
-                                        </p:attrNameLst>
-                                      </p:cBhvr>
-                                      <p:to>
-                                        <p:strVal val="visible"/>
-                                      </p:to>
-                                    </p:set>
-                                  </p:childTnLst>
-                                </p:cTn>
-                              </p:par>
-                            </p:childTnLst>
-                          </p:cTn>
-                        </p:par>
-                      </p:childTnLst>
-                    </p:cTn>
-                  </p:par>
-                  <p:par>
-                    <p:cTn id="11" fill="hold">
-                      <p:stCondLst>
-                        <p:cond delay="indefinite"/>
-                      </p:stCondLst>
-                      <p:childTnLst>
-                        <p:par>
-                          <p:cTn id="12" fill="hold">
-                            <p:stCondLst>
-                              <p:cond delay="0"/>
-                            </p:stCondLst>
-                            <p:childTnLst>
-                              <p:par>
-                                <p:cTn id="13" presetID="1" presetClass="entr" presetSubtype="0" fill="hold" grpId="0" nodeType="clickEffect">
-                                  <p:stCondLst>
-                                    <p:cond delay="0"/>
-                                  </p:stCondLst>
-                                  <p:childTnLst>
-                                    <p:set>
-                                      <p:cBhvr>
-                                        <p:cTn id="14" dur="1" fill="hold">
-                                          <p:stCondLst>
-                                            <p:cond delay="0"/>
-                                          </p:stCondLst>
-                                        </p:cTn>
-                                        <p:tgtEl>
                                           <p:spTgt spid="7"/>
                                         </p:tgtEl>
                                         <p:attrNameLst>
@@ -4236,7 +4145,6 @@
     </p:tnLst>
     <p:bldLst>
       <p:bldP spid="4" grpId="0"/>
-      <p:bldP spid="5" grpId="0"/>
       <p:bldP spid="7" grpId="0"/>
     </p:bldLst>
   </p:timing>
@@ -4345,11 +4253,6 @@
               </a:rPr>
               <a:t>一起工作</a:t>
             </a:r>
-            <a:endParaRPr lang="zh-CN" altLang="en-US" dirty="0">
-              <a:solidFill>
-                <a:schemeClr val="bg1"/>
-              </a:solidFill>
-            </a:endParaRPr>
           </a:p>
         </p:txBody>
       </p:sp>
@@ -4471,11 +4374,6 @@
               </a:rPr>
               <a:t>将抽象和实现分离，使他们可以独立的变化</a:t>
             </a:r>
-            <a:endParaRPr lang="zh-CN" altLang="en-US" dirty="0">
-              <a:solidFill>
-                <a:schemeClr val="bg1"/>
-              </a:solidFill>
-            </a:endParaRPr>
           </a:p>
         </p:txBody>
       </p:sp>
@@ -4553,11 +4451,6 @@
               </a:rPr>
               <a:t>将对象组合成树状层次结构，使用户对单个对象和组合对象具有一致的访问性</a:t>
             </a:r>
-            <a:endParaRPr lang="zh-CN" altLang="en-US" dirty="0">
-              <a:solidFill>
-                <a:schemeClr val="bg1"/>
-              </a:solidFill>
-            </a:endParaRPr>
           </a:p>
         </p:txBody>
       </p:sp>
@@ -4635,11 +4528,6 @@
               </a:rPr>
               <a:t>动态的给对象增加一些职责。</a:t>
             </a:r>
-            <a:endParaRPr lang="zh-CN" altLang="en-US" dirty="0">
-              <a:solidFill>
-                <a:schemeClr val="bg1"/>
-              </a:solidFill>
-            </a:endParaRPr>
           </a:p>
         </p:txBody>
       </p:sp>
@@ -4717,11 +4605,6 @@
               </a:rPr>
               <a:t>为子系统中的一组接口提供一个一致的界面，使这一子系统更加容易使用</a:t>
             </a:r>
-            <a:endParaRPr lang="zh-CN" altLang="en-US" dirty="0">
-              <a:solidFill>
-                <a:schemeClr val="bg1"/>
-              </a:solidFill>
-            </a:endParaRPr>
           </a:p>
         </p:txBody>
       </p:sp>
@@ -4799,11 +4682,6 @@
               </a:rPr>
               <a:t>运用共享技术有效的支持大量细粒度对象</a:t>
             </a:r>
-            <a:endParaRPr lang="zh-CN" altLang="en-US" dirty="0">
-              <a:solidFill>
-                <a:schemeClr val="bg1"/>
-              </a:solidFill>
-            </a:endParaRPr>
           </a:p>
         </p:txBody>
       </p:sp>
@@ -4881,11 +4759,6 @@
               </a:rPr>
               <a:t>为其它对象提供一种代理以控制对这种对象的访问</a:t>
             </a:r>
-            <a:endParaRPr lang="zh-CN" altLang="en-US" dirty="0">
-              <a:solidFill>
-                <a:schemeClr val="bg1"/>
-              </a:solidFill>
-            </a:endParaRPr>
           </a:p>
         </p:txBody>
       </p:sp>
@@ -5321,7 +5194,7 @@
         <p:spPr>
           <a:xfrm>
             <a:off x="3902098" y="3048000"/>
-            <a:ext cx="4296241" cy="923330"/>
+            <a:ext cx="4296241" cy="1754326"/>
           </a:xfrm>
           <a:prstGeom prst="rect">
             <a:avLst/>
@@ -5340,7 +5213,30 @@
                   <a:schemeClr val="bg1"/>
                 </a:solidFill>
               </a:rPr>
-              <a:t>把下面的代码从大型对象组合，改成享元模式。</a:t>
+              <a:t>把下面的代码从大型对象组合，改成享元模式</a:t>
+            </a:r>
+            <a:r>
+              <a:rPr lang="zh-CN" altLang="en-US" b="1" dirty="0" smtClean="0">
+                <a:solidFill>
+                  <a:schemeClr val="bg1"/>
+                </a:solidFill>
+              </a:rPr>
+              <a:t>。</a:t>
+            </a:r>
+            <a:endParaRPr lang="en-US" altLang="zh-CN" b="1" dirty="0" smtClean="0">
+              <a:solidFill>
+                <a:schemeClr val="bg1"/>
+              </a:solidFill>
+            </a:endParaRPr>
+          </a:p>
+          <a:p>
+            <a:r>
+              <a:rPr lang="en-US" altLang="zh-CN" b="1" dirty="0">
+                <a:solidFill>
+                  <a:schemeClr val="bg1"/>
+                </a:solidFill>
+              </a:rPr>
+              <a:t>https://github.com/643364103/design/tree/master/designpattern/patterns/structural</a:t>
             </a:r>
             <a:endParaRPr lang="zh-CN" altLang="en-US" b="1" dirty="0">
               <a:solidFill>
